--- a/API Sistema Bancário.pptx
+++ b/API Sistema Bancário.pptx
@@ -3932,7 +3932,7 @@
             </a:r>
             <a:r>
               <a:rPr lang="en-US" dirty="0" smtClean="0"/>
-              <a:t> de Java.</a:t>
+              <a:t>.</a:t>
             </a:r>
           </a:p>
           <a:p>
@@ -3966,7 +3966,7 @@
             </a:r>
             <a:r>
               <a:rPr lang="en-US" dirty="0" err="1" smtClean="0"/>
-              <a:t>importante</a:t>
+              <a:t>importantes</a:t>
             </a:r>
             <a:r>
               <a:rPr lang="en-US" dirty="0" smtClean="0"/>

--- a/API Sistema Bancário.pptx
+++ b/API Sistema Bancário.pptx
@@ -294,6 +294,7 @@
           <a:p>
             <a:fld id="{EB37387A-7500-44CC-B1C7-3C4BC7FA139B}" type="datetimeFigureOut">
               <a:rPr lang="pt-BR" smtClean="0"/>
+              <a:pPr/>
               <a:t>20/03/2023</a:t>
             </a:fld>
             <a:endParaRPr lang="pt-BR"/>
@@ -336,6 +337,7 @@
           <a:p>
             <a:fld id="{72AEBBB6-DD4D-46FE-B638-6C37E050D3F2}" type="slidenum">
               <a:rPr lang="pt-BR" smtClean="0"/>
+              <a:pPr/>
               <a:t>‹nº›</a:t>
             </a:fld>
             <a:endParaRPr lang="pt-BR"/>
@@ -459,6 +461,7 @@
           <a:p>
             <a:fld id="{EB37387A-7500-44CC-B1C7-3C4BC7FA139B}" type="datetimeFigureOut">
               <a:rPr lang="pt-BR" smtClean="0"/>
+              <a:pPr/>
               <a:t>20/03/2023</a:t>
             </a:fld>
             <a:endParaRPr lang="pt-BR"/>
@@ -501,6 +504,7 @@
           <a:p>
             <a:fld id="{72AEBBB6-DD4D-46FE-B638-6C37E050D3F2}" type="slidenum">
               <a:rPr lang="pt-BR" smtClean="0"/>
+              <a:pPr/>
               <a:t>‹nº›</a:t>
             </a:fld>
             <a:endParaRPr lang="pt-BR"/>
@@ -634,6 +638,7 @@
           <a:p>
             <a:fld id="{EB37387A-7500-44CC-B1C7-3C4BC7FA139B}" type="datetimeFigureOut">
               <a:rPr lang="pt-BR" smtClean="0"/>
+              <a:pPr/>
               <a:t>20/03/2023</a:t>
             </a:fld>
             <a:endParaRPr lang="pt-BR"/>
@@ -676,6 +681,7 @@
           <a:p>
             <a:fld id="{72AEBBB6-DD4D-46FE-B638-6C37E050D3F2}" type="slidenum">
               <a:rPr lang="pt-BR" smtClean="0"/>
+              <a:pPr/>
               <a:t>‹nº›</a:t>
             </a:fld>
             <a:endParaRPr lang="pt-BR"/>
@@ -799,6 +805,7 @@
           <a:p>
             <a:fld id="{EB37387A-7500-44CC-B1C7-3C4BC7FA139B}" type="datetimeFigureOut">
               <a:rPr lang="pt-BR" smtClean="0"/>
+              <a:pPr/>
               <a:t>20/03/2023</a:t>
             </a:fld>
             <a:endParaRPr lang="pt-BR"/>
@@ -841,6 +848,7 @@
           <a:p>
             <a:fld id="{72AEBBB6-DD4D-46FE-B638-6C37E050D3F2}" type="slidenum">
               <a:rPr lang="pt-BR" smtClean="0"/>
+              <a:pPr/>
               <a:t>‹nº›</a:t>
             </a:fld>
             <a:endParaRPr lang="pt-BR"/>
@@ -1040,6 +1048,7 @@
           <a:p>
             <a:fld id="{EB37387A-7500-44CC-B1C7-3C4BC7FA139B}" type="datetimeFigureOut">
               <a:rPr lang="pt-BR" smtClean="0"/>
+              <a:pPr/>
               <a:t>20/03/2023</a:t>
             </a:fld>
             <a:endParaRPr lang="pt-BR"/>
@@ -1082,6 +1091,7 @@
           <a:p>
             <a:fld id="{72AEBBB6-DD4D-46FE-B638-6C37E050D3F2}" type="slidenum">
               <a:rPr lang="pt-BR" smtClean="0"/>
+              <a:pPr/>
               <a:t>‹nº›</a:t>
             </a:fld>
             <a:endParaRPr lang="pt-BR"/>
@@ -1323,6 +1333,7 @@
           <a:p>
             <a:fld id="{EB37387A-7500-44CC-B1C7-3C4BC7FA139B}" type="datetimeFigureOut">
               <a:rPr lang="pt-BR" smtClean="0"/>
+              <a:pPr/>
               <a:t>20/03/2023</a:t>
             </a:fld>
             <a:endParaRPr lang="pt-BR"/>
@@ -1365,6 +1376,7 @@
           <a:p>
             <a:fld id="{72AEBBB6-DD4D-46FE-B638-6C37E050D3F2}" type="slidenum">
               <a:rPr lang="pt-BR" smtClean="0"/>
+              <a:pPr/>
               <a:t>‹nº›</a:t>
             </a:fld>
             <a:endParaRPr lang="pt-BR"/>
@@ -1740,6 +1752,7 @@
           <a:p>
             <a:fld id="{EB37387A-7500-44CC-B1C7-3C4BC7FA139B}" type="datetimeFigureOut">
               <a:rPr lang="pt-BR" smtClean="0"/>
+              <a:pPr/>
               <a:t>20/03/2023</a:t>
             </a:fld>
             <a:endParaRPr lang="pt-BR"/>
@@ -1782,6 +1795,7 @@
           <a:p>
             <a:fld id="{72AEBBB6-DD4D-46FE-B638-6C37E050D3F2}" type="slidenum">
               <a:rPr lang="pt-BR" smtClean="0"/>
+              <a:pPr/>
               <a:t>‹nº›</a:t>
             </a:fld>
             <a:endParaRPr lang="pt-BR"/>
@@ -1853,6 +1867,7 @@
           <a:p>
             <a:fld id="{EB37387A-7500-44CC-B1C7-3C4BC7FA139B}" type="datetimeFigureOut">
               <a:rPr lang="pt-BR" smtClean="0"/>
+              <a:pPr/>
               <a:t>20/03/2023</a:t>
             </a:fld>
             <a:endParaRPr lang="pt-BR"/>
@@ -1895,6 +1910,7 @@
           <a:p>
             <a:fld id="{72AEBBB6-DD4D-46FE-B638-6C37E050D3F2}" type="slidenum">
               <a:rPr lang="pt-BR" smtClean="0"/>
+              <a:pPr/>
               <a:t>‹nº›</a:t>
             </a:fld>
             <a:endParaRPr lang="pt-BR"/>
@@ -1943,6 +1959,7 @@
           <a:p>
             <a:fld id="{EB37387A-7500-44CC-B1C7-3C4BC7FA139B}" type="datetimeFigureOut">
               <a:rPr lang="pt-BR" smtClean="0"/>
+              <a:pPr/>
               <a:t>20/03/2023</a:t>
             </a:fld>
             <a:endParaRPr lang="pt-BR"/>
@@ -1985,6 +2002,7 @@
           <a:p>
             <a:fld id="{72AEBBB6-DD4D-46FE-B638-6C37E050D3F2}" type="slidenum">
               <a:rPr lang="pt-BR" smtClean="0"/>
+              <a:pPr/>
               <a:t>‹nº›</a:t>
             </a:fld>
             <a:endParaRPr lang="pt-BR"/>
@@ -2215,6 +2233,7 @@
           <a:p>
             <a:fld id="{EB37387A-7500-44CC-B1C7-3C4BC7FA139B}" type="datetimeFigureOut">
               <a:rPr lang="pt-BR" smtClean="0"/>
+              <a:pPr/>
               <a:t>20/03/2023</a:t>
             </a:fld>
             <a:endParaRPr lang="pt-BR"/>
@@ -2257,6 +2276,7 @@
           <a:p>
             <a:fld id="{72AEBBB6-DD4D-46FE-B638-6C37E050D3F2}" type="slidenum">
               <a:rPr lang="pt-BR" smtClean="0"/>
+              <a:pPr/>
               <a:t>‹nº›</a:t>
             </a:fld>
             <a:endParaRPr lang="pt-BR"/>
@@ -2463,6 +2483,7 @@
           <a:p>
             <a:fld id="{EB37387A-7500-44CC-B1C7-3C4BC7FA139B}" type="datetimeFigureOut">
               <a:rPr lang="pt-BR" smtClean="0"/>
+              <a:pPr/>
               <a:t>20/03/2023</a:t>
             </a:fld>
             <a:endParaRPr lang="pt-BR"/>
@@ -2505,6 +2526,7 @@
           <a:p>
             <a:fld id="{72AEBBB6-DD4D-46FE-B638-6C37E050D3F2}" type="slidenum">
               <a:rPr lang="pt-BR" smtClean="0"/>
+              <a:pPr/>
               <a:t>‹nº›</a:t>
             </a:fld>
             <a:endParaRPr lang="pt-BR"/>
@@ -2671,6 +2693,7 @@
           <a:p>
             <a:fld id="{EB37387A-7500-44CC-B1C7-3C4BC7FA139B}" type="datetimeFigureOut">
               <a:rPr lang="pt-BR" smtClean="0"/>
+              <a:pPr/>
               <a:t>20/03/2023</a:t>
             </a:fld>
             <a:endParaRPr lang="pt-BR"/>
@@ -2749,6 +2772,7 @@
           <a:p>
             <a:fld id="{72AEBBB6-DD4D-46FE-B638-6C37E050D3F2}" type="slidenum">
               <a:rPr lang="pt-BR" smtClean="0"/>
+              <a:pPr/>
               <a:t>‹nº›</a:t>
             </a:fld>
             <a:endParaRPr lang="pt-BR"/>
@@ -3163,21 +3187,8 @@
                   <a:schemeClr val="tx1"/>
                 </a:solidFill>
               </a:rPr>
-              <a:t>	</a:t>
-            </a:r>
-            <a:r>
-              <a:rPr lang="en-US" dirty="0" smtClean="0">
-                <a:solidFill>
-                  <a:schemeClr val="tx1"/>
-                </a:solidFill>
-              </a:rPr>
-              <a:t>Daniel Cordeiro Faria,</a:t>
-            </a:r>
-            <a:endParaRPr lang="en-US" dirty="0" smtClean="0">
-              <a:solidFill>
-                <a:schemeClr val="tx1"/>
-              </a:solidFill>
-            </a:endParaRPr>
+              <a:t>	Daniel Cordeiro Faria,</a:t>
+            </a:r>
           </a:p>
           <a:p>
             <a:pPr algn="l"/>
@@ -3702,7 +3713,9 @@
           </a:xfrm>
         </p:spPr>
         <p:txBody>
-          <a:bodyPr/>
+          <a:bodyPr>
+            <a:normAutofit fontScale="92500" lnSpcReduction="20000"/>
+          </a:bodyPr>
           <a:lstStyle/>
           <a:p>
             <a:r>
@@ -3720,9 +3733,42 @@
           </a:p>
           <a:p>
             <a:r>
-              <a:rPr lang="pt-BR" dirty="0"/>
-              <a:t>E tivemos facilidade com as mensagens de erros para quando falhavam as operações.</a:t>
-            </a:r>
+              <a:rPr lang="pt-BR" dirty="0" smtClean="0"/>
+              <a:t>Foi fácil construir as classes no </a:t>
+            </a:r>
+            <a:r>
+              <a:rPr lang="pt-BR" dirty="0" err="1" smtClean="0"/>
+              <a:t>model</a:t>
+            </a:r>
+            <a:r>
+              <a:rPr lang="pt-BR" dirty="0" smtClean="0"/>
+              <a:t>, mapeando para o banco de dados com as anotações (@id, @</a:t>
+            </a:r>
+            <a:r>
+              <a:rPr lang="pt-BR" dirty="0" err="1" smtClean="0"/>
+              <a:t>column</a:t>
+            </a:r>
+            <a:r>
+              <a:rPr lang="pt-BR" dirty="0" smtClean="0"/>
+              <a:t>, @</a:t>
+            </a:r>
+            <a:r>
+              <a:rPr lang="pt-BR" dirty="0" err="1" smtClean="0"/>
+              <a:t>table</a:t>
+            </a:r>
+            <a:r>
+              <a:rPr lang="pt-BR" dirty="0" smtClean="0"/>
+              <a:t>, </a:t>
+            </a:r>
+            <a:r>
+              <a:rPr lang="pt-BR" smtClean="0"/>
+              <a:t>etc</a:t>
+            </a:r>
+            <a:r>
+              <a:rPr lang="pt-BR" smtClean="0"/>
+              <a:t>.).</a:t>
+            </a:r>
+            <a:endParaRPr lang="pt-BR" dirty="0"/>
           </a:p>
           <a:p>
             <a:pPr>

--- a/API Sistema Bancário.pptx
+++ b/API Sistema Bancário.pptx
@@ -110,6 +110,22 @@
       </a:defRPr>
     </a:lvl9pPr>
   </p:defaultTextStyle>
+  <p:extLst>
+    <p:ext uri="{EFAFB233-063F-42B5-8137-9DF3F51BA10A}">
+      <p15:sldGuideLst xmlns:p15="http://schemas.microsoft.com/office/powerpoint/2012/main">
+        <p15:guide id="1" orient="horz" pos="2160">
+          <p15:clr>
+            <a:srgbClr val="A4A3A4"/>
+          </p15:clr>
+        </p15:guide>
+        <p15:guide id="2" pos="2880">
+          <p15:clr>
+            <a:srgbClr val="A4A3A4"/>
+          </p15:clr>
+        </p15:guide>
+      </p15:sldGuideLst>
+    </p:ext>
+  </p:extLst>
 </p:presentation>
 </file>
 
@@ -295,7 +311,7 @@
             <a:fld id="{EB37387A-7500-44CC-B1C7-3C4BC7FA139B}" type="datetimeFigureOut">
               <a:rPr lang="pt-BR" smtClean="0"/>
               <a:pPr/>
-              <a:t>20/03/2023</a:t>
+              <a:t>21/03/2023</a:t>
             </a:fld>
             <a:endParaRPr lang="pt-BR"/>
           </a:p>
@@ -462,7 +478,7 @@
             <a:fld id="{EB37387A-7500-44CC-B1C7-3C4BC7FA139B}" type="datetimeFigureOut">
               <a:rPr lang="pt-BR" smtClean="0"/>
               <a:pPr/>
-              <a:t>20/03/2023</a:t>
+              <a:t>21/03/2023</a:t>
             </a:fld>
             <a:endParaRPr lang="pt-BR"/>
           </a:p>
@@ -639,7 +655,7 @@
             <a:fld id="{EB37387A-7500-44CC-B1C7-3C4BC7FA139B}" type="datetimeFigureOut">
               <a:rPr lang="pt-BR" smtClean="0"/>
               <a:pPr/>
-              <a:t>20/03/2023</a:t>
+              <a:t>21/03/2023</a:t>
             </a:fld>
             <a:endParaRPr lang="pt-BR"/>
           </a:p>
@@ -806,7 +822,7 @@
             <a:fld id="{EB37387A-7500-44CC-B1C7-3C4BC7FA139B}" type="datetimeFigureOut">
               <a:rPr lang="pt-BR" smtClean="0"/>
               <a:pPr/>
-              <a:t>20/03/2023</a:t>
+              <a:t>21/03/2023</a:t>
             </a:fld>
             <a:endParaRPr lang="pt-BR"/>
           </a:p>
@@ -1049,7 +1065,7 @@
             <a:fld id="{EB37387A-7500-44CC-B1C7-3C4BC7FA139B}" type="datetimeFigureOut">
               <a:rPr lang="pt-BR" smtClean="0"/>
               <a:pPr/>
-              <a:t>20/03/2023</a:t>
+              <a:t>21/03/2023</a:t>
             </a:fld>
             <a:endParaRPr lang="pt-BR"/>
           </a:p>
@@ -1334,7 +1350,7 @@
             <a:fld id="{EB37387A-7500-44CC-B1C7-3C4BC7FA139B}" type="datetimeFigureOut">
               <a:rPr lang="pt-BR" smtClean="0"/>
               <a:pPr/>
-              <a:t>20/03/2023</a:t>
+              <a:t>21/03/2023</a:t>
             </a:fld>
             <a:endParaRPr lang="pt-BR"/>
           </a:p>
@@ -1753,7 +1769,7 @@
             <a:fld id="{EB37387A-7500-44CC-B1C7-3C4BC7FA139B}" type="datetimeFigureOut">
               <a:rPr lang="pt-BR" smtClean="0"/>
               <a:pPr/>
-              <a:t>20/03/2023</a:t>
+              <a:t>21/03/2023</a:t>
             </a:fld>
             <a:endParaRPr lang="pt-BR"/>
           </a:p>
@@ -1868,7 +1884,7 @@
             <a:fld id="{EB37387A-7500-44CC-B1C7-3C4BC7FA139B}" type="datetimeFigureOut">
               <a:rPr lang="pt-BR" smtClean="0"/>
               <a:pPr/>
-              <a:t>20/03/2023</a:t>
+              <a:t>21/03/2023</a:t>
             </a:fld>
             <a:endParaRPr lang="pt-BR"/>
           </a:p>
@@ -1960,7 +1976,7 @@
             <a:fld id="{EB37387A-7500-44CC-B1C7-3C4BC7FA139B}" type="datetimeFigureOut">
               <a:rPr lang="pt-BR" smtClean="0"/>
               <a:pPr/>
-              <a:t>20/03/2023</a:t>
+              <a:t>21/03/2023</a:t>
             </a:fld>
             <a:endParaRPr lang="pt-BR"/>
           </a:p>
@@ -2234,7 +2250,7 @@
             <a:fld id="{EB37387A-7500-44CC-B1C7-3C4BC7FA139B}" type="datetimeFigureOut">
               <a:rPr lang="pt-BR" smtClean="0"/>
               <a:pPr/>
-              <a:t>20/03/2023</a:t>
+              <a:t>21/03/2023</a:t>
             </a:fld>
             <a:endParaRPr lang="pt-BR"/>
           </a:p>
@@ -2484,7 +2500,7 @@
             <a:fld id="{EB37387A-7500-44CC-B1C7-3C4BC7FA139B}" type="datetimeFigureOut">
               <a:rPr lang="pt-BR" smtClean="0"/>
               <a:pPr/>
-              <a:t>20/03/2023</a:t>
+              <a:t>21/03/2023</a:t>
             </a:fld>
             <a:endParaRPr lang="pt-BR"/>
           </a:p>
@@ -2694,7 +2710,7 @@
             <a:fld id="{EB37387A-7500-44CC-B1C7-3C4BC7FA139B}" type="datetimeFigureOut">
               <a:rPr lang="pt-BR" smtClean="0"/>
               <a:pPr/>
-              <a:t>20/03/2023</a:t>
+              <a:t>21/03/2023</a:t>
             </a:fld>
             <a:endParaRPr lang="pt-BR"/>
           </a:p>
@@ -3336,6 +3352,13 @@
   <p:clrMapOvr>
     <a:masterClrMapping/>
   </p:clrMapOvr>
+  <p:timing>
+    <p:tnLst>
+      <p:par>
+        <p:cTn id="1" dur="indefinite" restart="never" nodeType="tmRoot"/>
+      </p:par>
+    </p:tnLst>
+  </p:timing>
 </p:sld>
 </file>
 
@@ -3391,51 +3414,216 @@
         </p:nvSpPr>
         <p:spPr>
           <a:xfrm>
-            <a:off x="2643174" y="2214554"/>
-            <a:ext cx="4329114" cy="3043246"/>
+            <a:off x="1007604" y="1268760"/>
+            <a:ext cx="7128792" cy="5112568"/>
           </a:xfrm>
         </p:spPr>
         <p:txBody>
-          <a:bodyPr/>
-          <a:lstStyle/>
-          <a:p>
-            <a:r>
-              <a:rPr lang="en-US" dirty="0"/>
-              <a:t>Linguagem </a:t>
-            </a:r>
-            <a:r>
-              <a:rPr lang="en-US" dirty="0" smtClean="0"/>
-              <a:t>JAVA</a:t>
-            </a:r>
-          </a:p>
-          <a:p>
-            <a:r>
-              <a:rPr lang="en-US" dirty="0"/>
+          <a:bodyPr>
+            <a:normAutofit lnSpcReduction="10000"/>
+          </a:bodyPr>
+          <a:lstStyle/>
+          <a:p>
+            <a:r>
+              <a:rPr lang="en-US" sz="2800" dirty="0" err="1"/>
+              <a:t>Linguagem</a:t>
+            </a:r>
+            <a:r>
+              <a:rPr lang="en-US" sz="2800" dirty="0"/>
+              <a:t> </a:t>
+            </a:r>
+            <a:r>
+              <a:rPr lang="en-US" sz="2800" dirty="0" smtClean="0"/>
+              <a:t>JAVA </a:t>
+            </a:r>
+            <a:r>
+              <a:rPr lang="en-US" sz="2800" dirty="0" err="1" smtClean="0"/>
+              <a:t>em</a:t>
+            </a:r>
+            <a:r>
+              <a:rPr lang="en-US" sz="2800" dirty="0" smtClean="0"/>
+              <a:t> </a:t>
+            </a:r>
+            <a:r>
+              <a:rPr lang="en-US" sz="2800" dirty="0" err="1" smtClean="0"/>
+              <a:t>conjunto</a:t>
+            </a:r>
+            <a:r>
+              <a:rPr lang="en-US" sz="2800" dirty="0" smtClean="0"/>
+              <a:t> com o IDE Eclipse (</a:t>
+            </a:r>
+            <a:r>
+              <a:rPr lang="en-US" sz="2800" dirty="0" err="1" smtClean="0"/>
+              <a:t>Utilizados</a:t>
+            </a:r>
+            <a:r>
+              <a:rPr lang="en-US" sz="2800" dirty="0" smtClean="0"/>
+              <a:t> para </a:t>
+            </a:r>
+            <a:r>
+              <a:rPr lang="en-US" sz="2800" dirty="0" err="1" smtClean="0"/>
+              <a:t>desenvolver</a:t>
+            </a:r>
+            <a:r>
+              <a:rPr lang="en-US" sz="2800" dirty="0" smtClean="0"/>
+              <a:t> o </a:t>
+            </a:r>
+            <a:r>
+              <a:rPr lang="en-US" sz="2800" dirty="0" err="1" smtClean="0"/>
+              <a:t>código</a:t>
+            </a:r>
+            <a:r>
+              <a:rPr lang="en-US" sz="2800" dirty="0" smtClean="0"/>
+              <a:t>).</a:t>
+            </a:r>
+            <a:endParaRPr lang="en-US" sz="2800" dirty="0" smtClean="0"/>
+          </a:p>
+          <a:p>
+            <a:r>
+              <a:rPr lang="en-US" sz="2800" dirty="0"/>
               <a:t>Framework </a:t>
             </a:r>
             <a:r>
-              <a:rPr lang="en-US" dirty="0" smtClean="0"/>
+              <a:rPr lang="en-US" sz="2800" dirty="0" err="1" smtClean="0"/>
               <a:t>Spingboot</a:t>
             </a:r>
-          </a:p>
-          <a:p>
-            <a:r>
-              <a:rPr lang="en-US" dirty="0" smtClean="0"/>
-              <a:t>Postman</a:t>
-            </a:r>
-          </a:p>
-          <a:p>
-            <a:r>
-              <a:rPr lang="en-US" dirty="0" smtClean="0"/>
-              <a:t>Railway</a:t>
-            </a:r>
-          </a:p>
-          <a:p>
-            <a:r>
-              <a:rPr lang="en-US" dirty="0"/>
-              <a:t>Database MySQL</a:t>
-            </a:r>
-            <a:endParaRPr lang="pt-BR" dirty="0"/>
+            <a:r>
+              <a:rPr lang="en-US" sz="2800" dirty="0" smtClean="0"/>
+              <a:t> (</a:t>
+            </a:r>
+            <a:r>
+              <a:rPr lang="en-US" sz="2800" dirty="0" err="1" smtClean="0"/>
+              <a:t>Utilizado</a:t>
+            </a:r>
+            <a:r>
+              <a:rPr lang="en-US" sz="2800" dirty="0" smtClean="0"/>
+              <a:t> para </a:t>
+            </a:r>
+            <a:r>
+              <a:rPr lang="en-US" sz="2800" dirty="0" err="1" smtClean="0"/>
+              <a:t>simplificar</a:t>
+            </a:r>
+            <a:r>
+              <a:rPr lang="en-US" sz="2800" dirty="0" smtClean="0"/>
+              <a:t> a </a:t>
+            </a:r>
+            <a:r>
+              <a:rPr lang="en-US" sz="2800" dirty="0" err="1" smtClean="0"/>
+              <a:t>criação</a:t>
+            </a:r>
+            <a:r>
+              <a:rPr lang="en-US" sz="2800" dirty="0" smtClean="0"/>
+              <a:t> da API, </a:t>
+            </a:r>
+            <a:r>
+              <a:rPr lang="en-US" sz="2800" dirty="0" err="1" smtClean="0"/>
+              <a:t>fornecendo</a:t>
+            </a:r>
+            <a:r>
+              <a:rPr lang="en-US" sz="2800" dirty="0" smtClean="0"/>
+              <a:t> </a:t>
+            </a:r>
+            <a:r>
+              <a:rPr lang="en-US" sz="2800" dirty="0" err="1" smtClean="0"/>
+              <a:t>configurações</a:t>
+            </a:r>
+            <a:r>
+              <a:rPr lang="en-US" sz="2800" dirty="0" smtClean="0"/>
+              <a:t> </a:t>
+            </a:r>
+            <a:r>
+              <a:rPr lang="en-US" sz="2800" dirty="0" err="1" smtClean="0"/>
+              <a:t>pré-definidas</a:t>
+            </a:r>
+            <a:r>
+              <a:rPr lang="en-US" sz="2800" dirty="0" smtClean="0"/>
+              <a:t>).</a:t>
+            </a:r>
+            <a:endParaRPr lang="en-US" sz="2800" dirty="0" smtClean="0"/>
+          </a:p>
+          <a:p>
+            <a:r>
+              <a:rPr lang="en-US" sz="2800" dirty="0" smtClean="0"/>
+              <a:t>Postman/</a:t>
+            </a:r>
+            <a:r>
+              <a:rPr lang="en-US" sz="2800" dirty="0" err="1" smtClean="0"/>
+              <a:t>ThunderClient</a:t>
+            </a:r>
+            <a:r>
+              <a:rPr lang="en-US" sz="2800" dirty="0" smtClean="0"/>
+              <a:t>/Insomnia (</a:t>
+            </a:r>
+            <a:r>
+              <a:rPr lang="en-US" sz="2800" dirty="0" err="1" smtClean="0"/>
+              <a:t>Utilizados</a:t>
+            </a:r>
+            <a:r>
+              <a:rPr lang="en-US" sz="2800" dirty="0" smtClean="0"/>
+              <a:t> para </a:t>
+            </a:r>
+            <a:r>
+              <a:rPr lang="en-US" sz="2800" dirty="0" err="1" smtClean="0"/>
+              <a:t>testar</a:t>
+            </a:r>
+            <a:r>
+              <a:rPr lang="en-US" sz="2800" dirty="0" smtClean="0"/>
+              <a:t> a API).</a:t>
+            </a:r>
+            <a:endParaRPr lang="en-US" sz="2800" dirty="0" smtClean="0"/>
+          </a:p>
+          <a:p>
+            <a:r>
+              <a:rPr lang="en-US" sz="2800" dirty="0" smtClean="0"/>
+              <a:t>Railway (</a:t>
+            </a:r>
+            <a:r>
+              <a:rPr lang="en-US" sz="2800" dirty="0" err="1" smtClean="0"/>
+              <a:t>Utilizado</a:t>
+            </a:r>
+            <a:r>
+              <a:rPr lang="en-US" sz="2800" dirty="0" smtClean="0"/>
+              <a:t> para </a:t>
+            </a:r>
+            <a:r>
+              <a:rPr lang="en-US" sz="2800" dirty="0" err="1" smtClean="0"/>
+              <a:t>hospedar</a:t>
+            </a:r>
+            <a:r>
+              <a:rPr lang="en-US" sz="2800" dirty="0" smtClean="0"/>
+              <a:t> a API </a:t>
+            </a:r>
+            <a:r>
+              <a:rPr lang="en-US" sz="2800" dirty="0" err="1" smtClean="0"/>
+              <a:t>em</a:t>
+            </a:r>
+            <a:r>
+              <a:rPr lang="en-US" sz="2800" dirty="0" smtClean="0"/>
+              <a:t> cloud).</a:t>
+            </a:r>
+          </a:p>
+          <a:p>
+            <a:r>
+              <a:rPr lang="en-US" sz="2800" dirty="0" smtClean="0"/>
+              <a:t>Database MySQL (</a:t>
+            </a:r>
+            <a:r>
+              <a:rPr lang="en-US" sz="2800" dirty="0" err="1" smtClean="0"/>
+              <a:t>Utilizado</a:t>
+            </a:r>
+            <a:r>
+              <a:rPr lang="en-US" sz="2800" dirty="0" smtClean="0"/>
+              <a:t> para </a:t>
+            </a:r>
+            <a:r>
+              <a:rPr lang="en-US" sz="2800" dirty="0" err="1" smtClean="0"/>
+              <a:t>criar</a:t>
+            </a:r>
+            <a:r>
+              <a:rPr lang="en-US" sz="2800" dirty="0" smtClean="0"/>
+              <a:t> o banco de dados da API).</a:t>
+            </a:r>
+            <a:endParaRPr lang="pt-BR" sz="2800" dirty="0"/>
           </a:p>
         </p:txBody>
       </p:sp>
@@ -3444,6 +3632,13 @@
   <p:clrMapOvr>
     <a:masterClrMapping/>
   </p:clrMapOvr>
+  <p:timing>
+    <p:tnLst>
+      <p:par>
+        <p:cTn id="1" dur="indefinite" restart="never" nodeType="tmRoot"/>
+      </p:par>
+    </p:tnLst>
+  </p:timing>
 </p:sld>
 </file>
 
@@ -3555,6 +3750,13 @@
   <p:clrMapOvr>
     <a:masterClrMapping/>
   </p:clrMapOvr>
+  <p:timing>
+    <p:tnLst>
+      <p:par>
+        <p:cTn id="1" dur="indefinite" restart="never" nodeType="tmRoot"/>
+      </p:par>
+    </p:tnLst>
+  </p:timing>
 </p:sld>
 </file>
 
@@ -3654,6 +3856,13 @@
   <p:clrMapOvr>
     <a:masterClrMapping/>
   </p:clrMapOvr>
+  <p:timing>
+    <p:tnLst>
+      <p:par>
+        <p:cTn id="1" dur="indefinite" restart="never" nodeType="tmRoot"/>
+      </p:par>
+    </p:tnLst>
+  </p:timing>
 </p:sld>
 </file>
 
@@ -3762,11 +3971,7 @@
             </a:r>
             <a:r>
               <a:rPr lang="pt-BR" smtClean="0"/>
-              <a:t>etc</a:t>
-            </a:r>
-            <a:r>
-              <a:rPr lang="pt-BR" smtClean="0"/>
-              <a:t>.).</a:t>
+              <a:t>etc.).</a:t>
             </a:r>
             <a:endParaRPr lang="pt-BR" dirty="0"/>
           </a:p>
@@ -3783,6 +3988,13 @@
   <p:clrMapOvr>
     <a:masterClrMapping/>
   </p:clrMapOvr>
+  <p:timing>
+    <p:tnLst>
+      <p:par>
+        <p:cTn id="1" dur="indefinite" restart="never" nodeType="tmRoot"/>
+      </p:par>
+    </p:tnLst>
+  </p:timing>
 </p:sld>
 </file>
 

--- a/API Sistema Bancário.pptx
+++ b/API Sistema Bancário.pptx
@@ -112,7 +112,7 @@
   </p:defaultTextStyle>
   <p:extLst>
     <p:ext uri="{EFAFB233-063F-42B5-8137-9DF3F51BA10A}">
-      <p15:sldGuideLst xmlns:p15="http://schemas.microsoft.com/office/powerpoint/2012/main">
+      <p15:sldGuideLst xmlns:p15="http://schemas.microsoft.com/office/powerpoint/2012/main" xmlns="">
         <p15:guide id="1" orient="horz" pos="2160">
           <p15:clr>
             <a:srgbClr val="A4A3A4"/>
@@ -3425,58 +3425,13 @@
           <a:lstStyle/>
           <a:p>
             <a:r>
-              <a:rPr lang="en-US" sz="2800" dirty="0" err="1"/>
-              <a:t>Linguagem</a:t>
-            </a:r>
-            <a:r>
               <a:rPr lang="en-US" sz="2800" dirty="0"/>
-              <a:t> </a:t>
+              <a:t>Linguagem </a:t>
             </a:r>
             <a:r>
               <a:rPr lang="en-US" sz="2800" dirty="0" smtClean="0"/>
-              <a:t>JAVA </a:t>
-            </a:r>
-            <a:r>
-              <a:rPr lang="en-US" sz="2800" dirty="0" err="1" smtClean="0"/>
-              <a:t>em</a:t>
-            </a:r>
-            <a:r>
-              <a:rPr lang="en-US" sz="2800" dirty="0" smtClean="0"/>
-              <a:t> </a:t>
-            </a:r>
-            <a:r>
-              <a:rPr lang="en-US" sz="2800" dirty="0" err="1" smtClean="0"/>
-              <a:t>conjunto</a:t>
-            </a:r>
-            <a:r>
-              <a:rPr lang="en-US" sz="2800" dirty="0" smtClean="0"/>
-              <a:t> com o IDE Eclipse (</a:t>
-            </a:r>
-            <a:r>
-              <a:rPr lang="en-US" sz="2800" dirty="0" err="1" smtClean="0"/>
-              <a:t>Utilizados</a:t>
-            </a:r>
-            <a:r>
-              <a:rPr lang="en-US" sz="2800" dirty="0" smtClean="0"/>
-              <a:t> para </a:t>
-            </a:r>
-            <a:r>
-              <a:rPr lang="en-US" sz="2800" dirty="0" err="1" smtClean="0"/>
-              <a:t>desenvolver</a:t>
-            </a:r>
-            <a:r>
-              <a:rPr lang="en-US" sz="2800" dirty="0" smtClean="0"/>
-              <a:t> o </a:t>
-            </a:r>
-            <a:r>
-              <a:rPr lang="en-US" sz="2800" dirty="0" err="1" smtClean="0"/>
-              <a:t>código</a:t>
-            </a:r>
-            <a:r>
-              <a:rPr lang="en-US" sz="2800" dirty="0" smtClean="0"/>
-              <a:t>).</a:t>
-            </a:r>
-            <a:endParaRPr lang="en-US" sz="2800" dirty="0" smtClean="0"/>
+              <a:t>JAVA em conjunto com o IDE Eclipse (Utilizados para desenvolver o código).</a:t>
+            </a:r>
           </a:p>
           <a:p>
             <a:r>
@@ -3484,144 +3439,30 @@
               <a:t>Framework </a:t>
             </a:r>
             <a:r>
-              <a:rPr lang="en-US" sz="2800" dirty="0" err="1" smtClean="0"/>
-              <a:t>Spingboot</a:t>
-            </a:r>
-            <a:r>
               <a:rPr lang="en-US" sz="2800" dirty="0" smtClean="0"/>
-              <a:t> (</a:t>
-            </a:r>
-            <a:r>
-              <a:rPr lang="en-US" sz="2800" dirty="0" err="1" smtClean="0"/>
-              <a:t>Utilizado</a:t>
-            </a:r>
+              <a:t>Spingboot (Utilizado para simplificar a criação da API, fornecendo configurações pré-definidas).</a:t>
+            </a:r>
+          </a:p>
+          <a:p>
             <a:r>
               <a:rPr lang="en-US" sz="2800" dirty="0" smtClean="0"/>
-              <a:t> para </a:t>
-            </a:r>
-            <a:r>
-              <a:rPr lang="en-US" sz="2800" dirty="0" err="1" smtClean="0"/>
-              <a:t>simplificar</a:t>
+              <a:t>Postman / ThunderClient / Insomnia </a:t>
             </a:r>
             <a:r>
               <a:rPr lang="en-US" sz="2800" dirty="0" smtClean="0"/>
-              <a:t> a </a:t>
-            </a:r>
-            <a:r>
-              <a:rPr lang="en-US" sz="2800" dirty="0" err="1" smtClean="0"/>
-              <a:t>criação</a:t>
-            </a:r>
+              <a:t>(Utilizados para testar a API).</a:t>
+            </a:r>
+          </a:p>
+          <a:p>
             <a:r>
               <a:rPr lang="en-US" sz="2800" dirty="0" smtClean="0"/>
-              <a:t> da API, </a:t>
-            </a:r>
-            <a:r>
-              <a:rPr lang="en-US" sz="2800" dirty="0" err="1" smtClean="0"/>
-              <a:t>fornecendo</a:t>
-            </a:r>
+              <a:t>Railway (Utilizado para hospedar a API em cloud).</a:t>
+            </a:r>
+          </a:p>
+          <a:p>
             <a:r>
               <a:rPr lang="en-US" sz="2800" dirty="0" smtClean="0"/>
-              <a:t> </a:t>
-            </a:r>
-            <a:r>
-              <a:rPr lang="en-US" sz="2800" dirty="0" err="1" smtClean="0"/>
-              <a:t>configurações</a:t>
-            </a:r>
-            <a:r>
-              <a:rPr lang="en-US" sz="2800" dirty="0" smtClean="0"/>
-              <a:t> </a:t>
-            </a:r>
-            <a:r>
-              <a:rPr lang="en-US" sz="2800" dirty="0" err="1" smtClean="0"/>
-              <a:t>pré-definidas</a:t>
-            </a:r>
-            <a:r>
-              <a:rPr lang="en-US" sz="2800" dirty="0" smtClean="0"/>
-              <a:t>).</a:t>
-            </a:r>
-            <a:endParaRPr lang="en-US" sz="2800" dirty="0" smtClean="0"/>
-          </a:p>
-          <a:p>
-            <a:r>
-              <a:rPr lang="en-US" sz="2800" dirty="0" smtClean="0"/>
-              <a:t>Postman/</a:t>
-            </a:r>
-            <a:r>
-              <a:rPr lang="en-US" sz="2800" dirty="0" err="1" smtClean="0"/>
-              <a:t>ThunderClient</a:t>
-            </a:r>
-            <a:r>
-              <a:rPr lang="en-US" sz="2800" dirty="0" smtClean="0"/>
-              <a:t>/Insomnia (</a:t>
-            </a:r>
-            <a:r>
-              <a:rPr lang="en-US" sz="2800" dirty="0" err="1" smtClean="0"/>
-              <a:t>Utilizados</a:t>
-            </a:r>
-            <a:r>
-              <a:rPr lang="en-US" sz="2800" dirty="0" smtClean="0"/>
-              <a:t> para </a:t>
-            </a:r>
-            <a:r>
-              <a:rPr lang="en-US" sz="2800" dirty="0" err="1" smtClean="0"/>
-              <a:t>testar</a:t>
-            </a:r>
-            <a:r>
-              <a:rPr lang="en-US" sz="2800" dirty="0" smtClean="0"/>
-              <a:t> a API).</a:t>
-            </a:r>
-            <a:endParaRPr lang="en-US" sz="2800" dirty="0" smtClean="0"/>
-          </a:p>
-          <a:p>
-            <a:r>
-              <a:rPr lang="en-US" sz="2800" dirty="0" smtClean="0"/>
-              <a:t>Railway (</a:t>
-            </a:r>
-            <a:r>
-              <a:rPr lang="en-US" sz="2800" dirty="0" err="1" smtClean="0"/>
-              <a:t>Utilizado</a:t>
-            </a:r>
-            <a:r>
-              <a:rPr lang="en-US" sz="2800" dirty="0" smtClean="0"/>
-              <a:t> para </a:t>
-            </a:r>
-            <a:r>
-              <a:rPr lang="en-US" sz="2800" dirty="0" err="1" smtClean="0"/>
-              <a:t>hospedar</a:t>
-            </a:r>
-            <a:r>
-              <a:rPr lang="en-US" sz="2800" dirty="0" smtClean="0"/>
-              <a:t> a API </a:t>
-            </a:r>
-            <a:r>
-              <a:rPr lang="en-US" sz="2800" dirty="0" err="1" smtClean="0"/>
-              <a:t>em</a:t>
-            </a:r>
-            <a:r>
-              <a:rPr lang="en-US" sz="2800" dirty="0" smtClean="0"/>
-              <a:t> cloud).</a:t>
-            </a:r>
-          </a:p>
-          <a:p>
-            <a:r>
-              <a:rPr lang="en-US" sz="2800" dirty="0" smtClean="0"/>
-              <a:t>Database MySQL (</a:t>
-            </a:r>
-            <a:r>
-              <a:rPr lang="en-US" sz="2800" dirty="0" err="1" smtClean="0"/>
-              <a:t>Utilizado</a:t>
-            </a:r>
-            <a:r>
-              <a:rPr lang="en-US" sz="2800" dirty="0" smtClean="0"/>
-              <a:t> para </a:t>
-            </a:r>
-            <a:r>
-              <a:rPr lang="en-US" sz="2800" dirty="0" err="1" smtClean="0"/>
-              <a:t>criar</a:t>
-            </a:r>
-            <a:r>
-              <a:rPr lang="en-US" sz="2800" dirty="0" smtClean="0"/>
-              <a:t> o banco de dados da API).</a:t>
+              <a:t>Database MySQL (Utilizado para criar o banco de dados da API).</a:t>
             </a:r>
             <a:endParaRPr lang="pt-BR" sz="2800" dirty="0"/>
           </a:p>
